--- a/Matlab.pptx
+++ b/Matlab.pptx
@@ -104,6 +104,11 @@
       </a:defRPr>
     </a:lvl9pPr>
   </p:defaultTextStyle>
+  <p:extLst>
+    <p:ext uri="{EFAFB233-063F-42B5-8137-9DF3F51BA10A}">
+      <p15:sldGuideLst xmlns:p15="http://schemas.microsoft.com/office/powerpoint/2012/main"/>
+    </p:ext>
+  </p:extLst>
 </p:presentation>
 </file>
 
@@ -4378,7 +4383,7 @@
             </a:r>
             <a:r>
               <a:rPr lang="fr-FR" b="1" dirty="0" err="1"/>
-              <a:t>processing</a:t>
+              <a:t>Processing</a:t>
             </a:r>
             <a:endParaRPr lang="en-US" b="1" dirty="0"/>
           </a:p>

--- a/Matlab.pptx
+++ b/Matlab.pptx
@@ -3401,7 +3401,7 @@
             </a:r>
             <a:r>
               <a:rPr lang="en-US" b="1" dirty="0"/>
-              <a:t>Visualization</a:t>
+              <a:t>VISUALIZATION</a:t>
             </a:r>
           </a:p>
         </p:txBody>
@@ -3512,7 +3512,7 @@
             <a:pPr algn="ctr"/>
             <a:r>
               <a:rPr lang="fr-FR" b="1" dirty="0"/>
-              <a:t>Fusion</a:t>
+              <a:t>FUSION</a:t>
             </a:r>
             <a:endParaRPr lang="en-US" b="1" dirty="0"/>
           </a:p>
@@ -3570,7 +3570,7 @@
             <a:pPr algn="ctr"/>
             <a:r>
               <a:rPr lang="fr-FR" b="1" dirty="0"/>
-              <a:t>Signal</a:t>
+              <a:t>SIGNAL</a:t>
             </a:r>
             <a:endParaRPr lang="en-US" b="1" dirty="0"/>
           </a:p>
@@ -3647,7 +3647,7 @@
         <p:spPr>
           <a:xfrm>
             <a:off x="4304714" y="1729152"/>
-            <a:ext cx="2419643" cy="648286"/>
+            <a:ext cx="2419644" cy="648286"/>
           </a:xfrm>
           <a:prstGeom prst="bracketPair">
             <a:avLst/>
@@ -3677,7 +3677,7 @@
           <a:lstStyle/>
           <a:p>
             <a:pPr algn="ctr"/>
-            <a:endParaRPr lang="en-US" b="1"/>
+            <a:endParaRPr lang="en-US" b="1" dirty="0"/>
           </a:p>
         </p:txBody>
       </p:sp>
@@ -3918,11 +3918,7 @@
             <a:pPr algn="ctr"/>
             <a:r>
               <a:rPr lang="fr-FR" b="1" dirty="0"/>
-              <a:t>PLS </a:t>
-            </a:r>
-            <a:r>
-              <a:rPr lang="fr-FR" b="1" dirty="0" err="1"/>
-              <a:t>Regression</a:t>
+              <a:t>PLS REGRESSION</a:t>
             </a:r>
             <a:endParaRPr lang="en-US" b="1" dirty="0"/>
           </a:p>
@@ -3977,8 +3973,8 @@
           <a:p>
             <a:pPr algn="ctr"/>
             <a:r>
-              <a:rPr lang="fr-FR" b="1" dirty="0" err="1"/>
-              <a:t>Regressions</a:t>
+              <a:rPr lang="fr-FR" b="1" dirty="0"/>
+              <a:t>REGRESSIONS</a:t>
             </a:r>
             <a:endParaRPr lang="en-US" b="1" dirty="0"/>
           </a:p>
@@ -4048,7 +4044,7 @@
             <a:pPr algn="ctr"/>
             <a:r>
               <a:rPr lang="fr-FR" b="1" dirty="0"/>
-              <a:t>Indices</a:t>
+              <a:t>INDICES</a:t>
             </a:r>
             <a:endParaRPr lang="en-US" b="1" dirty="0"/>
           </a:p>
@@ -4104,7 +4100,7 @@
             <a:pPr algn="ctr"/>
             <a:r>
               <a:rPr lang="fr-FR" b="1" dirty="0"/>
-              <a:t>Discriminations</a:t>
+              <a:t>DISCRIMINATIONS</a:t>
             </a:r>
             <a:endParaRPr lang="en-US" b="1" dirty="0"/>
           </a:p>
@@ -4379,11 +4375,7 @@
             <a:pPr algn="ctr"/>
             <a:r>
               <a:rPr lang="fr-FR" b="1" dirty="0"/>
-              <a:t>Image </a:t>
-            </a:r>
-            <a:r>
-              <a:rPr lang="fr-FR" b="1" dirty="0" err="1"/>
-              <a:t>Processing</a:t>
+              <a:t>IMAGE PROCESSING</a:t>
             </a:r>
             <a:endParaRPr lang="en-US" b="1" dirty="0"/>
           </a:p>
@@ -4550,6 +4542,182 @@
           <a:xfrm flipH="1">
             <a:off x="5507501" y="4996369"/>
             <a:ext cx="4407879" cy="791886"/>
+          </a:xfrm>
+          <a:prstGeom prst="straightConnector1">
+            <a:avLst/>
+          </a:prstGeom>
+          <a:ln w="38100">
+            <a:solidFill>
+              <a:schemeClr val="tx1"/>
+            </a:solidFill>
+            <a:prstDash val="sysDot"/>
+            <a:tailEnd type="triangle"/>
+          </a:ln>
+        </p:spPr>
+        <p:style>
+          <a:lnRef idx="1">
+            <a:schemeClr val="accent1"/>
+          </a:lnRef>
+          <a:fillRef idx="0">
+            <a:schemeClr val="accent1"/>
+          </a:fillRef>
+          <a:effectRef idx="0">
+            <a:schemeClr val="accent1"/>
+          </a:effectRef>
+          <a:fontRef idx="minor">
+            <a:schemeClr val="tx1"/>
+          </a:fontRef>
+        </p:style>
+      </p:cxnSp>
+      <p:sp>
+        <p:nvSpPr>
+          <p:cNvPr id="28" name="Rectangle 27">
+            <a:extLst>
+              <a:ext uri="{FF2B5EF4-FFF2-40B4-BE49-F238E27FC236}">
+                <a16:creationId xmlns:a16="http://schemas.microsoft.com/office/drawing/2014/main" id="{DC7D1CBB-7A30-4C70-A1D9-D284D201FCDD}"/>
+              </a:ext>
+            </a:extLst>
+          </p:cNvPr>
+          <p:cNvSpPr/>
+          <p:nvPr/>
+        </p:nvSpPr>
+        <p:spPr>
+          <a:xfrm>
+            <a:off x="11819208" y="4475864"/>
+            <a:ext cx="1992924" cy="520505"/>
+          </a:xfrm>
+          <a:prstGeom prst="rect">
+            <a:avLst/>
+          </a:prstGeom>
+          <a:gradFill flip="none" rotWithShape="1">
+            <a:gsLst>
+              <a:gs pos="0">
+                <a:schemeClr val="accent2">
+                  <a:tint val="66000"/>
+                  <a:satMod val="160000"/>
+                </a:schemeClr>
+              </a:gs>
+              <a:gs pos="50000">
+                <a:schemeClr val="accent2">
+                  <a:tint val="44500"/>
+                  <a:satMod val="160000"/>
+                </a:schemeClr>
+              </a:gs>
+              <a:gs pos="100000">
+                <a:schemeClr val="accent2">
+                  <a:tint val="23500"/>
+                  <a:satMod val="160000"/>
+                </a:schemeClr>
+              </a:gs>
+            </a:gsLst>
+            <a:path path="circle">
+              <a:fillToRect l="50000" t="50000" r="50000" b="50000"/>
+            </a:path>
+            <a:tileRect/>
+          </a:gradFill>
+          <a:ln w="28575">
+            <a:solidFill>
+              <a:schemeClr val="accent2"/>
+            </a:solidFill>
+            <a:prstDash val="sysDash"/>
+          </a:ln>
+        </p:spPr>
+        <p:style>
+          <a:lnRef idx="2">
+            <a:schemeClr val="accent1">
+              <a:shade val="50000"/>
+            </a:schemeClr>
+          </a:lnRef>
+          <a:fillRef idx="1">
+            <a:schemeClr val="accent1"/>
+          </a:fillRef>
+          <a:effectRef idx="0">
+            <a:schemeClr val="accent1"/>
+          </a:effectRef>
+          <a:fontRef idx="minor">
+            <a:schemeClr val="lt1"/>
+          </a:fontRef>
+        </p:style>
+        <p:txBody>
+          <a:bodyPr rtlCol="0" anchor="ctr"/>
+          <a:lstStyle/>
+          <a:p>
+            <a:pPr algn="ctr"/>
+            <a:r>
+              <a:rPr lang="fr-FR" b="1" dirty="0"/>
+              <a:t>CLUSTERING</a:t>
+            </a:r>
+            <a:endParaRPr lang="en-US" b="1" dirty="0"/>
+          </a:p>
+        </p:txBody>
+      </p:sp>
+      <p:cxnSp>
+        <p:nvCxnSpPr>
+          <p:cNvPr id="29" name="Connecteur droit avec flèche 28">
+            <a:extLst>
+              <a:ext uri="{FF2B5EF4-FFF2-40B4-BE49-F238E27FC236}">
+                <a16:creationId xmlns:a16="http://schemas.microsoft.com/office/drawing/2014/main" id="{A4288235-6875-4622-ABE3-93DF75D4BB5E}"/>
+              </a:ext>
+            </a:extLst>
+          </p:cNvPr>
+          <p:cNvCxnSpPr>
+            <a:cxnSpLocks/>
+            <a:stCxn id="28" idx="2"/>
+            <a:endCxn id="39" idx="0"/>
+          </p:cNvCxnSpPr>
+          <p:nvPr/>
+        </p:nvCxnSpPr>
+        <p:spPr>
+          <a:xfrm flipH="1">
+            <a:off x="5507501" y="4996369"/>
+            <a:ext cx="7308169" cy="791886"/>
+          </a:xfrm>
+          <a:prstGeom prst="straightConnector1">
+            <a:avLst/>
+          </a:prstGeom>
+          <a:ln w="38100">
+            <a:solidFill>
+              <a:schemeClr val="tx1"/>
+            </a:solidFill>
+            <a:prstDash val="sysDot"/>
+            <a:tailEnd type="triangle"/>
+          </a:ln>
+        </p:spPr>
+        <p:style>
+          <a:lnRef idx="1">
+            <a:schemeClr val="accent1"/>
+          </a:lnRef>
+          <a:fillRef idx="0">
+            <a:schemeClr val="accent1"/>
+          </a:fillRef>
+          <a:effectRef idx="0">
+            <a:schemeClr val="accent1"/>
+          </a:effectRef>
+          <a:fontRef idx="minor">
+            <a:schemeClr val="tx1"/>
+          </a:fontRef>
+        </p:style>
+      </p:cxnSp>
+      <p:cxnSp>
+        <p:nvCxnSpPr>
+          <p:cNvPr id="31" name="Connecteur droit avec flèche 30">
+            <a:extLst>
+              <a:ext uri="{FF2B5EF4-FFF2-40B4-BE49-F238E27FC236}">
+                <a16:creationId xmlns:a16="http://schemas.microsoft.com/office/drawing/2014/main" id="{3083357F-058B-4882-A156-CD2544ADC802}"/>
+              </a:ext>
+            </a:extLst>
+          </p:cNvPr>
+          <p:cNvCxnSpPr>
+            <a:cxnSpLocks/>
+            <a:stCxn id="4" idx="2"/>
+            <a:endCxn id="28" idx="0"/>
+          </p:cNvCxnSpPr>
+          <p:nvPr/>
+        </p:nvCxnSpPr>
+        <p:spPr>
+          <a:xfrm>
+            <a:off x="5507501" y="3686905"/>
+            <a:ext cx="7308169" cy="788959"/>
           </a:xfrm>
           <a:prstGeom prst="straightConnector1">
             <a:avLst/>

--- a/Matlab.pptx
+++ b/Matlab.pptx
@@ -3882,7 +3882,7 @@
         </p:nvSpPr>
         <p:spPr>
           <a:xfrm>
-            <a:off x="3118338" y="4475867"/>
+            <a:off x="1613093" y="4475867"/>
             <a:ext cx="1992924" cy="520505"/>
           </a:xfrm>
           <a:prstGeom prst="rect">
@@ -3938,7 +3938,7 @@
         </p:nvSpPr>
         <p:spPr>
           <a:xfrm>
-            <a:off x="6018628" y="4475866"/>
+            <a:off x="4513383" y="4475866"/>
             <a:ext cx="1992924" cy="520505"/>
           </a:xfrm>
           <a:prstGeom prst="rect">
@@ -3994,7 +3994,7 @@
         </p:nvSpPr>
         <p:spPr>
           <a:xfrm>
-            <a:off x="218048" y="4475865"/>
+            <a:off x="-1287197" y="4475865"/>
             <a:ext cx="1992924" cy="520505"/>
           </a:xfrm>
           <a:prstGeom prst="rect">
@@ -4064,7 +4064,7 @@
         </p:nvSpPr>
         <p:spPr>
           <a:xfrm>
-            <a:off x="8918918" y="4475864"/>
+            <a:off x="7413673" y="4475864"/>
             <a:ext cx="1992924" cy="520505"/>
           </a:xfrm>
           <a:prstGeom prst="rect">
@@ -4124,8 +4124,8 @@
         </p:nvCxnSpPr>
         <p:spPr>
           <a:xfrm flipH="1">
-            <a:off x="1214510" y="3686905"/>
-            <a:ext cx="4292991" cy="788960"/>
+            <a:off x="-290735" y="3686905"/>
+            <a:ext cx="5798236" cy="788960"/>
           </a:xfrm>
           <a:prstGeom prst="straightConnector1">
             <a:avLst/>
@@ -4171,8 +4171,8 @@
         </p:nvCxnSpPr>
         <p:spPr>
           <a:xfrm flipH="1">
-            <a:off x="4114800" y="3686905"/>
-            <a:ext cx="1392701" cy="788962"/>
+            <a:off x="2609555" y="3686905"/>
+            <a:ext cx="2897946" cy="788962"/>
           </a:xfrm>
           <a:prstGeom prst="straightConnector1">
             <a:avLst/>
@@ -4219,7 +4219,7 @@
         <p:spPr>
           <a:xfrm>
             <a:off x="5507501" y="3686905"/>
-            <a:ext cx="1507589" cy="788961"/>
+            <a:ext cx="2344" cy="788961"/>
           </a:xfrm>
           <a:prstGeom prst="straightConnector1">
             <a:avLst/>
@@ -4266,7 +4266,7 @@
         <p:spPr>
           <a:xfrm>
             <a:off x="5507501" y="3686905"/>
-            <a:ext cx="4407879" cy="788959"/>
+            <a:ext cx="2902634" cy="788959"/>
           </a:xfrm>
           <a:prstGeom prst="straightConnector1">
             <a:avLst/>
@@ -4399,8 +4399,8 @@
         </p:nvCxnSpPr>
         <p:spPr>
           <a:xfrm>
-            <a:off x="1214510" y="4996370"/>
-            <a:ext cx="4292991" cy="791885"/>
+            <a:off x="-290735" y="4996370"/>
+            <a:ext cx="5798236" cy="791885"/>
           </a:xfrm>
           <a:prstGeom prst="straightConnector1">
             <a:avLst/>
@@ -4446,8 +4446,8 @@
         </p:nvCxnSpPr>
         <p:spPr>
           <a:xfrm>
-            <a:off x="4114800" y="4996372"/>
-            <a:ext cx="1392701" cy="791883"/>
+            <a:off x="2609555" y="4996372"/>
+            <a:ext cx="2897946" cy="791883"/>
           </a:xfrm>
           <a:prstGeom prst="straightConnector1">
             <a:avLst/>
@@ -4494,7 +4494,7 @@
         <p:spPr>
           <a:xfrm flipH="1">
             <a:off x="5507501" y="4996371"/>
-            <a:ext cx="1507589" cy="791884"/>
+            <a:ext cx="2344" cy="791884"/>
           </a:xfrm>
           <a:prstGeom prst="straightConnector1">
             <a:avLst/>
@@ -4541,7 +4541,7 @@
         <p:spPr>
           <a:xfrm flipH="1">
             <a:off x="5507501" y="4996369"/>
-            <a:ext cx="4407879" cy="791886"/>
+            <a:ext cx="2902634" cy="791886"/>
           </a:xfrm>
           <a:prstGeom prst="straightConnector1">
             <a:avLst/>
@@ -4583,7 +4583,7 @@
         </p:nvSpPr>
         <p:spPr>
           <a:xfrm>
-            <a:off x="11819208" y="4475864"/>
+            <a:off x="10313963" y="4475864"/>
             <a:ext cx="1992924" cy="520505"/>
           </a:xfrm>
           <a:prstGeom prst="rect">
@@ -4670,7 +4670,7 @@
         <p:spPr>
           <a:xfrm flipH="1">
             <a:off x="5507501" y="4996369"/>
-            <a:ext cx="7308169" cy="791886"/>
+            <a:ext cx="5802924" cy="791886"/>
           </a:xfrm>
           <a:prstGeom prst="straightConnector1">
             <a:avLst/>
@@ -4717,7 +4717,7 @@
         <p:spPr>
           <a:xfrm>
             <a:off x="5507501" y="3686905"/>
-            <a:ext cx="7308169" cy="788959"/>
+            <a:ext cx="5802924" cy="788959"/>
           </a:xfrm>
           <a:prstGeom prst="straightConnector1">
             <a:avLst/>
